--- a/workshop_notes.pptx
+++ b/workshop_notes.pptx
@@ -7,6 +7,7 @@
   <p:sldIdLst>
     <p:sldId id="256" r:id="rId2"/>
     <p:sldId id="257" r:id="rId3"/>
+    <p:sldId id="258" r:id="rId4"/>
   </p:sldIdLst>
   <p:sldSz cx="9144000" cy="6858000" type="screen4x3"/>
   <p:notesSz cx="6858000" cy="9144000"/>
@@ -3192,210 +3193,210 @@
         </p:spPr>
         <p:txBody>
           <a:bodyPr>
-            <a:normAutofit fontScale="77500" lnSpcReduction="20000"/>
+            <a:noAutofit/>
           </a:bodyPr>
           <a:lstStyle/>
           <a:p>
             <a:r>
-              <a:rPr lang="en-US" sz="1600" dirty="0"/>
+              <a:rPr lang="en-US" sz="1400" dirty="0"/>
               <a:t>BioGeoBEARS: time-stratified models – modify Psychotria_M0_equalRates/Psychotria_M0_v1.R</a:t>
             </a:r>
           </a:p>
           <a:p>
             <a:r>
-              <a:rPr lang="en-US" sz="1600" dirty="0"/>
+              <a:rPr lang="en-US" sz="1400" dirty="0"/>
               <a:t>BioGeoBEARS: Trait-based dispersal models: </a:t>
             </a:r>
             <a:r>
-              <a:rPr lang="en-NZ" sz="1600" dirty="0" err="1"/>
+              <a:rPr lang="en-NZ" sz="1400" dirty="0" err="1"/>
               <a:t>bgbwk</a:t>
             </a:r>
             <a:r>
-              <a:rPr lang="en-NZ" sz="1600" dirty="0"/>
+              <a:rPr lang="en-NZ" sz="1400" dirty="0"/>
               <a:t>/</a:t>
             </a:r>
             <a:r>
-              <a:rPr lang="en-NZ" sz="1600" dirty="0" err="1"/>
+              <a:rPr lang="en-NZ" sz="1400" dirty="0" err="1"/>
               <a:t>conifer_DEC_traits_models</a:t>
             </a:r>
             <a:r>
-              <a:rPr lang="en-NZ" sz="1600" dirty="0"/>
+              <a:rPr lang="en-NZ" sz="1400" dirty="0"/>
               <a:t>/conifer_DEC_traits_models_v1.R </a:t>
             </a:r>
           </a:p>
           <a:p>
             <a:pPr lvl="1"/>
             <a:r>
-              <a:rPr lang="en-NZ" sz="1200" dirty="0" err="1"/>
+              <a:rPr lang="en-NZ" sz="1400" dirty="0" err="1"/>
               <a:t>bgbwk</a:t>
             </a:r>
             <a:r>
-              <a:rPr lang="en-NZ" sz="1200" dirty="0"/>
+              <a:rPr lang="en-NZ" sz="1400" dirty="0"/>
               <a:t>/</a:t>
             </a:r>
             <a:r>
-              <a:rPr lang="en-NZ" sz="1200" dirty="0" err="1"/>
+              <a:rPr lang="en-NZ" sz="1400" dirty="0" err="1"/>
               <a:t>conifer_DEC_traits_models</a:t>
             </a:r>
-            <a:endParaRPr lang="en-NZ" sz="1200" dirty="0"/>
+            <a:endParaRPr lang="en-NZ" sz="1400" dirty="0"/>
           </a:p>
           <a:p>
             <a:pPr lvl="1"/>
             <a:r>
-              <a:rPr lang="en-NZ" sz="1200" dirty="0" err="1"/>
+              <a:rPr lang="en-NZ" sz="1400" dirty="0" err="1"/>
               <a:t>bgbwk</a:t>
             </a:r>
             <a:r>
-              <a:rPr lang="en-NZ" sz="1200" dirty="0"/>
+              <a:rPr lang="en-NZ" sz="1400" dirty="0"/>
               <a:t>/</a:t>
             </a:r>
             <a:r>
-              <a:rPr lang="en-NZ" sz="1200" dirty="0" err="1"/>
+              <a:rPr lang="en-NZ" sz="1400" dirty="0" err="1"/>
               <a:t>conife_DEC+x_traits_models</a:t>
             </a:r>
-            <a:endParaRPr lang="en-NZ" sz="1200" dirty="0"/>
-          </a:p>
-          <a:p>
-            <a:endParaRPr lang="en-NZ" sz="1600" dirty="0"/>
-          </a:p>
-          <a:p>
-            <a:r>
-              <a:rPr lang="en-US" sz="1600" dirty="0"/>
+            <a:endParaRPr lang="en-NZ" sz="1400" dirty="0"/>
+          </a:p>
+          <a:p>
+            <a:endParaRPr lang="en-NZ" sz="1400" dirty="0"/>
+          </a:p>
+          <a:p>
+            <a:r>
+              <a:rPr lang="en-US" sz="1400" dirty="0"/>
               <a:t>PhyBEARS / Julia intro slides</a:t>
             </a:r>
           </a:p>
           <a:p>
             <a:r>
-              <a:rPr lang="en-US" sz="1600" dirty="0"/>
+              <a:rPr lang="en-US" sz="1400" dirty="0"/>
               <a:t>PhyBEARS demo of various models</a:t>
             </a:r>
           </a:p>
           <a:p>
             <a:r>
-              <a:rPr lang="en-US" sz="1600" dirty="0"/>
+              <a:rPr lang="en-US" sz="1400" dirty="0"/>
               <a:t>Questions / discussion / function requests</a:t>
             </a:r>
           </a:p>
           <a:p>
-            <a:endParaRPr lang="en-US" sz="1600" dirty="0"/>
+            <a:endParaRPr lang="en-US" sz="1400" dirty="0"/>
           </a:p>
           <a:p>
             <a:pPr marL="0" indent="0">
               <a:buNone/>
             </a:pPr>
             <a:r>
-              <a:rPr lang="en-US" sz="1600" b="1" dirty="0"/>
+              <a:rPr lang="en-US" sz="1400" b="1" dirty="0"/>
               <a:t>NOTES</a:t>
             </a:r>
           </a:p>
           <a:p>
             <a:r>
-              <a:rPr lang="en-US" sz="1600" dirty="0"/>
+              <a:rPr lang="en-US" sz="1400" dirty="0"/>
               <a:t>Distance-based dispersal model: </a:t>
             </a:r>
           </a:p>
           <a:p>
             <a:pPr lvl="1"/>
             <a:r>
-              <a:rPr lang="en-US" sz="1200" dirty="0" err="1"/>
+              <a:rPr lang="en-US" sz="1400" dirty="0" err="1"/>
               <a:t>Rate_of_dispersal</a:t>
             </a:r>
             <a:r>
-              <a:rPr lang="en-US" sz="1200" dirty="0"/>
+              <a:rPr lang="en-US" sz="1400" dirty="0"/>
               <a:t> = </a:t>
             </a:r>
             <a:r>
-              <a:rPr lang="en-US" sz="1200" dirty="0" err="1"/>
+              <a:rPr lang="en-US" sz="1400" dirty="0" err="1"/>
               <a:t>base_rate</a:t>
             </a:r>
             <a:r>
-              <a:rPr lang="en-US" sz="1200" dirty="0"/>
+              <a:rPr lang="en-US" sz="1400" dirty="0"/>
               <a:t> * (</a:t>
             </a:r>
             <a:r>
-              <a:rPr lang="en-US" sz="1200" dirty="0" err="1"/>
+              <a:rPr lang="en-US" sz="1400" dirty="0" err="1"/>
               <a:t>relative_distance</a:t>
             </a:r>
             <a:r>
-              <a:rPr lang="en-US" sz="1200" dirty="0"/>
+              <a:rPr lang="en-US" sz="1400" dirty="0"/>
               <a:t>)^</a:t>
             </a:r>
             <a:r>
-              <a:rPr lang="en-US" sz="1200" i="1" dirty="0"/>
+              <a:rPr lang="en-US" sz="1400" i="1" dirty="0"/>
               <a:t>x</a:t>
             </a:r>
           </a:p>
           <a:p>
             <a:r>
-              <a:rPr lang="en-US" sz="1600" dirty="0"/>
+              <a:rPr lang="en-US" sz="1400" dirty="0"/>
               <a:t>The +w model variant:</a:t>
             </a:r>
           </a:p>
           <a:p>
             <a:pPr lvl="1"/>
             <a:r>
-              <a:rPr lang="en-US" sz="1200" dirty="0" err="1"/>
+              <a:rPr lang="en-US" sz="1400" dirty="0" err="1"/>
               <a:t>Rate_of_dispersal</a:t>
             </a:r>
             <a:r>
-              <a:rPr lang="en-US" sz="1200" dirty="0"/>
+              <a:rPr lang="en-US" sz="1400" dirty="0"/>
               <a:t> = </a:t>
             </a:r>
             <a:r>
-              <a:rPr lang="en-US" sz="1200" dirty="0" err="1"/>
+              <a:rPr lang="en-US" sz="1400" dirty="0" err="1"/>
               <a:t>base_rate</a:t>
             </a:r>
             <a:r>
-              <a:rPr lang="en-US" sz="1200" dirty="0"/>
+              <a:rPr lang="en-US" sz="1400" dirty="0"/>
               <a:t> * (</a:t>
             </a:r>
             <a:r>
-              <a:rPr lang="en-US" sz="1200" dirty="0" err="1"/>
+              <a:rPr lang="en-US" sz="1400" dirty="0" err="1"/>
               <a:t>dispersal_multiplier_matrix</a:t>
             </a:r>
             <a:r>
-              <a:rPr lang="en-US" sz="1200" dirty="0"/>
+              <a:rPr lang="en-US" sz="1400" dirty="0"/>
               <a:t>)^</a:t>
             </a:r>
             <a:r>
-              <a:rPr lang="en-US" sz="1200" i="1" dirty="0"/>
+              <a:rPr lang="en-US" sz="1400" i="1" dirty="0"/>
               <a:t>w</a:t>
             </a:r>
           </a:p>
           <a:p>
             <a:r>
-              <a:rPr lang="en-US" sz="1600" dirty="0"/>
+              <a:rPr lang="en-US" sz="1400" dirty="0"/>
               <a:t>The +n model variant:</a:t>
             </a:r>
           </a:p>
           <a:p>
             <a:pPr lvl="1"/>
             <a:r>
-              <a:rPr lang="en-US" sz="1200" dirty="0" err="1"/>
+              <a:rPr lang="en-US" sz="1400" dirty="0" err="1"/>
               <a:t>Rate_of_dispersal</a:t>
             </a:r>
             <a:r>
-              <a:rPr lang="en-US" sz="1200" dirty="0"/>
+              <a:rPr lang="en-US" sz="1400" dirty="0"/>
               <a:t> = </a:t>
             </a:r>
             <a:r>
-              <a:rPr lang="en-US" sz="1200" dirty="0" err="1"/>
+              <a:rPr lang="en-US" sz="1400" dirty="0" err="1"/>
               <a:t>base_rate</a:t>
             </a:r>
             <a:r>
-              <a:rPr lang="en-US" sz="1200" dirty="0"/>
+              <a:rPr lang="en-US" sz="1400" dirty="0"/>
               <a:t> * (</a:t>
             </a:r>
             <a:r>
-              <a:rPr lang="en-US" sz="1200" dirty="0" err="1"/>
+              <a:rPr lang="en-US" sz="1400" dirty="0" err="1"/>
               <a:t>relative_environment_distance</a:t>
             </a:r>
             <a:r>
-              <a:rPr lang="en-US" sz="1200" dirty="0"/>
+              <a:rPr lang="en-US" sz="1400" dirty="0"/>
               <a:t>)^</a:t>
             </a:r>
             <a:r>
-              <a:rPr lang="en-US" sz="1200" i="1" dirty="0"/>
+              <a:rPr lang="en-US" sz="1400" i="1" dirty="0"/>
               <a:t>n</a:t>
             </a:r>
           </a:p>
@@ -3403,24 +3404,24 @@
             <a:pPr marL="457200" lvl="1" indent="0">
               <a:buNone/>
             </a:pPr>
-            <a:endParaRPr lang="en-US" sz="1200" i="1" dirty="0"/>
+            <a:endParaRPr lang="en-US" sz="1400" i="1" dirty="0"/>
           </a:p>
           <a:p>
             <a:pPr marL="0" indent="0">
               <a:buNone/>
             </a:pPr>
             <a:r>
-              <a:rPr lang="en-US" sz="1600" dirty="0"/>
+              <a:rPr lang="en-US" sz="1400" dirty="0"/>
               <a:t>Example files for time-stratification: </a:t>
             </a:r>
             <a:r>
-              <a:rPr lang="en-US" sz="1600" dirty="0">
+              <a:rPr lang="en-US" sz="1400" dirty="0">
                 <a:hlinkClick r:id="rId2"/>
               </a:rPr>
               <a:t>http://phylo.wikidot.com/biogeobears#files</a:t>
             </a:r>
             <a:r>
-              <a:rPr lang="en-US" sz="1600" dirty="0"/>
+              <a:rPr lang="en-US" sz="1400" dirty="0"/>
               <a:t> </a:t>
             </a:r>
           </a:p>
@@ -3428,10 +3429,83 @@
             <a:pPr marL="457200" lvl="1" indent="0">
               <a:buNone/>
             </a:pPr>
-            <a:endParaRPr lang="en-US" sz="1200" dirty="0"/>
-          </a:p>
-          <a:p>
-            <a:endParaRPr lang="en-US" sz="1600" dirty="0"/>
+            <a:endParaRPr lang="en-US" sz="1400" dirty="0"/>
+          </a:p>
+          <a:p>
+            <a:pPr marL="0" indent="0">
+              <a:buNone/>
+            </a:pPr>
+            <a:r>
+              <a:rPr lang="en-US" sz="1400" dirty="0"/>
+              <a:t>NEXT: PhyBEARS in </a:t>
+            </a:r>
+            <a:r>
+              <a:rPr lang="en-US" sz="1400" i="1" dirty="0"/>
+              <a:t>Julia: </a:t>
+            </a:r>
+            <a:r>
+              <a:rPr lang="en-US" sz="1400" dirty="0"/>
+              <a:t>/GitHub/</a:t>
+            </a:r>
+            <a:r>
+              <a:rPr lang="en-US" sz="1400" dirty="0" err="1"/>
+              <a:t>bgbwk</a:t>
+            </a:r>
+            <a:r>
+              <a:rPr lang="en-US" sz="1400" dirty="0"/>
+              <a:t>/setup/PhyBEARS_setup_v1.jl</a:t>
+            </a:r>
+          </a:p>
+          <a:p>
+            <a:pPr marL="0" indent="0">
+              <a:buNone/>
+            </a:pPr>
+            <a:r>
+              <a:rPr lang="en-US" sz="1400" dirty="0">
+                <a:hlinkClick r:id="rId3"/>
+              </a:rPr>
+              <a:t>https://github.com/nmatzke/PhyBEARS.jl/tree/main/22wk</a:t>
+            </a:r>
+            <a:endParaRPr lang="en-US" sz="1400" dirty="0"/>
+          </a:p>
+          <a:p>
+            <a:pPr marL="0" indent="0">
+              <a:buNone/>
+            </a:pPr>
+            <a:r>
+              <a:rPr lang="en-US" sz="1400" dirty="0"/>
+              <a:t> </a:t>
+            </a:r>
+          </a:p>
+          <a:p>
+            <a:pPr marL="0" indent="0">
+              <a:buNone/>
+            </a:pPr>
+            <a:endParaRPr lang="en-US" sz="1400" dirty="0"/>
+          </a:p>
+          <a:p>
+            <a:pPr marL="0" indent="0">
+              <a:buNone/>
+            </a:pPr>
+            <a:endParaRPr lang="en-US" sz="1400" dirty="0"/>
+          </a:p>
+          <a:p>
+            <a:pPr marL="0" indent="0">
+              <a:buNone/>
+            </a:pPr>
+            <a:endParaRPr lang="en-US" sz="1400" dirty="0"/>
+          </a:p>
+          <a:p>
+            <a:pPr marL="0" indent="0">
+              <a:buNone/>
+            </a:pPr>
+            <a:endParaRPr lang="en-US" sz="1400" i="1" dirty="0"/>
+          </a:p>
+          <a:p>
+            <a:pPr marL="0" indent="0">
+              <a:buNone/>
+            </a:pPr>
+            <a:endParaRPr lang="en-US" sz="1400" i="1" dirty="0"/>
           </a:p>
         </p:txBody>
       </p:sp>
@@ -3439,6 +3513,114 @@
     <p:extLst>
       <p:ext uri="{BB962C8B-B14F-4D97-AF65-F5344CB8AC3E}">
         <p14:creationId xmlns:p14="http://schemas.microsoft.com/office/powerpoint/2010/main" val="1382944304"/>
+      </p:ext>
+    </p:extLst>
+  </p:cSld>
+  <p:clrMapOvr>
+    <a:masterClrMapping/>
+  </p:clrMapOvr>
+</p:sld>
+</file>
+
+<file path=ppt/slides/slide3.xml><?xml version="1.0" encoding="utf-8"?>
+<p:sld xmlns:a="http://schemas.openxmlformats.org/drawingml/2006/main" xmlns:r="http://schemas.openxmlformats.org/officeDocument/2006/relationships" xmlns:p="http://schemas.openxmlformats.org/presentationml/2006/main">
+  <p:cSld>
+    <p:spTree>
+      <p:nvGrpSpPr>
+        <p:cNvPr id="1" name=""/>
+        <p:cNvGrpSpPr/>
+        <p:nvPr/>
+      </p:nvGrpSpPr>
+      <p:grpSpPr>
+        <a:xfrm>
+          <a:off x="0" y="0"/>
+          <a:ext cx="0" cy="0"/>
+          <a:chOff x="0" y="0"/>
+          <a:chExt cx="0" cy="0"/>
+        </a:xfrm>
+      </p:grpSpPr>
+      <p:sp>
+        <p:nvSpPr>
+          <p:cNvPr id="2" name="Title 1">
+            <a:extLst>
+              <a:ext uri="{FF2B5EF4-FFF2-40B4-BE49-F238E27FC236}">
+                <a16:creationId xmlns:a16="http://schemas.microsoft.com/office/drawing/2014/main" id="{A316EEE1-1689-6447-A75A-A710C0E071EA}"/>
+              </a:ext>
+            </a:extLst>
+          </p:cNvPr>
+          <p:cNvSpPr>
+            <a:spLocks noGrp="1"/>
+          </p:cNvSpPr>
+          <p:nvPr>
+            <p:ph type="title"/>
+          </p:nvPr>
+        </p:nvSpPr>
+        <p:spPr/>
+        <p:txBody>
+          <a:bodyPr/>
+          <a:lstStyle/>
+          <a:p>
+            <a:r>
+              <a:rPr lang="en-US" dirty="0"/>
+              <a:t>Google Group</a:t>
+            </a:r>
+          </a:p>
+        </p:txBody>
+      </p:sp>
+      <p:sp>
+        <p:nvSpPr>
+          <p:cNvPr id="3" name="Content Placeholder 2">
+            <a:extLst>
+              <a:ext uri="{FF2B5EF4-FFF2-40B4-BE49-F238E27FC236}">
+                <a16:creationId xmlns:a16="http://schemas.microsoft.com/office/drawing/2014/main" id="{2FFE9133-C108-AB41-B046-C6A45307E68C}"/>
+              </a:ext>
+            </a:extLst>
+          </p:cNvPr>
+          <p:cNvSpPr>
+            <a:spLocks noGrp="1"/>
+          </p:cNvSpPr>
+          <p:nvPr>
+            <p:ph idx="1"/>
+          </p:nvPr>
+        </p:nvSpPr>
+        <p:spPr/>
+        <p:txBody>
+          <a:bodyPr/>
+          <a:lstStyle/>
+          <a:p>
+            <a:r>
+              <a:rPr lang="en-US" dirty="0"/>
+              <a:t>Join: BioGeoBEARS Google Group</a:t>
+            </a:r>
+          </a:p>
+          <a:p>
+            <a:r>
+              <a:rPr lang="en-US" dirty="0">
+                <a:hlinkClick r:id="rId2"/>
+              </a:rPr>
+              <a:t>nickmatzke.ncse@gmail.com</a:t>
+            </a:r>
+            <a:endParaRPr lang="en-US" dirty="0"/>
+          </a:p>
+          <a:p>
+            <a:r>
+              <a:rPr lang="en-US" dirty="0">
+                <a:hlinkClick r:id="rId3"/>
+              </a:rPr>
+              <a:t>n.matzke@auckland.ac.nz</a:t>
+            </a:r>
+            <a:r>
+              <a:rPr lang="en-US"/>
+              <a:t> </a:t>
+            </a:r>
+            <a:endParaRPr lang="en-US" dirty="0"/>
+          </a:p>
+        </p:txBody>
+      </p:sp>
+    </p:spTree>
+    <p:extLst>
+      <p:ext uri="{BB962C8B-B14F-4D97-AF65-F5344CB8AC3E}">
+        <p14:creationId xmlns:p14="http://schemas.microsoft.com/office/powerpoint/2010/main" val="568071908"/>
       </p:ext>
     </p:extLst>
   </p:cSld>
